--- a/Doku/externalFiles/AbtriebelementDescription.pptx
+++ b/Doku/externalFiles/AbtriebelementDescription.pptx
@@ -6,7 +6,8 @@
   </p:sldMasterIdLst>
   <p:sldIdLst>
     <p:sldId id="256" r:id="rId2"/>
-    <p:sldId id="257" r:id="rId3"/>
+    <p:sldId id="258" r:id="rId3"/>
+    <p:sldId id="257" r:id="rId4"/>
   </p:sldIdLst>
   <p:sldSz cx="12192000" cy="6858000"/>
   <p:notesSz cx="6858000" cy="9144000"/>
@@ -105,6 +106,11 @@
       </a:defRPr>
     </a:lvl9pPr>
   </p:defaultTextStyle>
+  <p:extLst>
+    <p:ext uri="{EFAFB233-063F-42B5-8137-9DF3F51BA10A}">
+      <p15:sldGuideLst xmlns:p15="http://schemas.microsoft.com/office/powerpoint/2012/main"/>
+    </p:ext>
+  </p:extLst>
 </p:presentation>
 </file>
 
@@ -255,7 +261,7 @@
           <a:p>
             <a:fld id="{37136428-7A38-A949-AE15-AAB7F2CA9619}" type="datetimeFigureOut">
               <a:rPr lang="de-DE" smtClean="0"/>
-              <a:t>14.11.21</a:t>
+              <a:t>25.11.21</a:t>
             </a:fld>
             <a:endParaRPr lang="de-DE"/>
           </a:p>
@@ -453,7 +459,7 @@
           <a:p>
             <a:fld id="{37136428-7A38-A949-AE15-AAB7F2CA9619}" type="datetimeFigureOut">
               <a:rPr lang="de-DE" smtClean="0"/>
-              <a:t>14.11.21</a:t>
+              <a:t>25.11.21</a:t>
             </a:fld>
             <a:endParaRPr lang="de-DE"/>
           </a:p>
@@ -661,7 +667,7 @@
           <a:p>
             <a:fld id="{37136428-7A38-A949-AE15-AAB7F2CA9619}" type="datetimeFigureOut">
               <a:rPr lang="de-DE" smtClean="0"/>
-              <a:t>14.11.21</a:t>
+              <a:t>25.11.21</a:t>
             </a:fld>
             <a:endParaRPr lang="de-DE"/>
           </a:p>
@@ -859,7 +865,7 @@
           <a:p>
             <a:fld id="{37136428-7A38-A949-AE15-AAB7F2CA9619}" type="datetimeFigureOut">
               <a:rPr lang="de-DE" smtClean="0"/>
-              <a:t>14.11.21</a:t>
+              <a:t>25.11.21</a:t>
             </a:fld>
             <a:endParaRPr lang="de-DE"/>
           </a:p>
@@ -1134,7 +1140,7 @@
           <a:p>
             <a:fld id="{37136428-7A38-A949-AE15-AAB7F2CA9619}" type="datetimeFigureOut">
               <a:rPr lang="de-DE" smtClean="0"/>
-              <a:t>14.11.21</a:t>
+              <a:t>25.11.21</a:t>
             </a:fld>
             <a:endParaRPr lang="de-DE"/>
           </a:p>
@@ -1399,7 +1405,7 @@
           <a:p>
             <a:fld id="{37136428-7A38-A949-AE15-AAB7F2CA9619}" type="datetimeFigureOut">
               <a:rPr lang="de-DE" smtClean="0"/>
-              <a:t>14.11.21</a:t>
+              <a:t>25.11.21</a:t>
             </a:fld>
             <a:endParaRPr lang="de-DE"/>
           </a:p>
@@ -1811,7 +1817,7 @@
           <a:p>
             <a:fld id="{37136428-7A38-A949-AE15-AAB7F2CA9619}" type="datetimeFigureOut">
               <a:rPr lang="de-DE" smtClean="0"/>
-              <a:t>14.11.21</a:t>
+              <a:t>25.11.21</a:t>
             </a:fld>
             <a:endParaRPr lang="de-DE"/>
           </a:p>
@@ -1952,7 +1958,7 @@
           <a:p>
             <a:fld id="{37136428-7A38-A949-AE15-AAB7F2CA9619}" type="datetimeFigureOut">
               <a:rPr lang="de-DE" smtClean="0"/>
-              <a:t>14.11.21</a:t>
+              <a:t>25.11.21</a:t>
             </a:fld>
             <a:endParaRPr lang="de-DE"/>
           </a:p>
@@ -2065,7 +2071,7 @@
           <a:p>
             <a:fld id="{37136428-7A38-A949-AE15-AAB7F2CA9619}" type="datetimeFigureOut">
               <a:rPr lang="de-DE" smtClean="0"/>
-              <a:t>14.11.21</a:t>
+              <a:t>25.11.21</a:t>
             </a:fld>
             <a:endParaRPr lang="de-DE"/>
           </a:p>
@@ -2376,7 +2382,7 @@
           <a:p>
             <a:fld id="{37136428-7A38-A949-AE15-AAB7F2CA9619}" type="datetimeFigureOut">
               <a:rPr lang="de-DE" smtClean="0"/>
-              <a:t>14.11.21</a:t>
+              <a:t>25.11.21</a:t>
             </a:fld>
             <a:endParaRPr lang="de-DE"/>
           </a:p>
@@ -2664,7 +2670,7 @@
           <a:p>
             <a:fld id="{37136428-7A38-A949-AE15-AAB7F2CA9619}" type="datetimeFigureOut">
               <a:rPr lang="de-DE" smtClean="0"/>
-              <a:t>14.11.21</a:t>
+              <a:t>25.11.21</a:t>
             </a:fld>
             <a:endParaRPr lang="de-DE"/>
           </a:p>
@@ -2905,7 +2911,7 @@
           <a:p>
             <a:fld id="{37136428-7A38-A949-AE15-AAB7F2CA9619}" type="datetimeFigureOut">
               <a:rPr lang="de-DE" smtClean="0"/>
-              <a:t>14.11.21</a:t>
+              <a:t>25.11.21</a:t>
             </a:fld>
             <a:endParaRPr lang="de-DE"/>
           </a:p>
@@ -3662,6 +3668,534 @@
       </p:grpSpPr>
       <p:pic>
         <p:nvPicPr>
+          <p:cNvPr id="17" name="Grafik 16" descr="Ein Bild, das Projektor enthält.&#10;&#10;Automatisch generierte Beschreibung">
+            <a:extLst>
+              <a:ext uri="{FF2B5EF4-FFF2-40B4-BE49-F238E27FC236}">
+                <a16:creationId xmlns:a16="http://schemas.microsoft.com/office/drawing/2014/main" id="{1C73CAC4-6CC1-2446-A09E-3E6C04FF6C4D}"/>
+              </a:ext>
+            </a:extLst>
+          </p:cNvPr>
+          <p:cNvPicPr>
+            <a:picLocks noChangeAspect="1"/>
+          </p:cNvPicPr>
+          <p:nvPr/>
+        </p:nvPicPr>
+        <p:blipFill rotWithShape="1">
+          <a:blip r:embed="rId2">
+            <a:extLst>
+              <a:ext uri="{BEBA8EAE-BF5A-486C-A8C5-ECC9F3942E4B}">
+                <a14:imgProps xmlns:a14="http://schemas.microsoft.com/office/drawing/2010/main">
+                  <a14:imgLayer r:embed="rId3">
+                    <a14:imgEffect>
+                      <a14:backgroundRemoval t="9960" b="94616" l="34427" r="92917">
+                        <a14:foregroundMark x1="37917" y1="48856" x2="40156" y2="64468"/>
+                        <a14:foregroundMark x1="35313" y1="41992" x2="35000" y2="65007"/>
+                        <a14:foregroundMark x1="35000" y1="65007" x2="35260" y2="68102"/>
+                        <a14:foregroundMark x1="36458" y1="32301" x2="35625" y2="34993"/>
+                        <a14:foregroundMark x1="35000" y1="36339" x2="34583" y2="48048"/>
+                        <a14:foregroundMark x1="67188" y1="86003" x2="63854" y2="88291"/>
+                        <a14:foregroundMark x1="63854" y1="88291" x2="63594" y2="88829"/>
+                        <a14:foregroundMark x1="65260" y1="86541" x2="62500" y2="91386"/>
+                        <a14:foregroundMark x1="62500" y1="91386" x2="66094" y2="91252"/>
+                        <a14:foregroundMark x1="66094" y1="91252" x2="63125" y2="91925"/>
+                        <a14:foregroundMark x1="63125" y1="91925" x2="66771" y2="92194"/>
+                        <a14:foregroundMark x1="66771" y1="92194" x2="69896" y2="91790"/>
+                        <a14:foregroundMark x1="69896" y1="91790" x2="71354" y2="84657"/>
+                        <a14:foregroundMark x1="71354" y1="84657" x2="71146" y2="83445"/>
+                        <a14:foregroundMark x1="55990" y1="64603" x2="52760" y2="65949"/>
+                        <a14:foregroundMark x1="52760" y1="65949" x2="52656" y2="64738"/>
+                        <a14:foregroundMark x1="56250" y1="71198" x2="53594" y2="70256"/>
+                        <a14:foregroundMark x1="58490" y1="77793" x2="57760" y2="93540"/>
+                        <a14:foregroundMark x1="57760" y1="93540" x2="64583" y2="92732"/>
+                        <a14:foregroundMark x1="64583" y1="92732" x2="67760" y2="94751"/>
+                        <a14:foregroundMark x1="67760" y1="94751" x2="72083" y2="93136"/>
+                        <a14:foregroundMark x1="56771" y1="49394" x2="53958" y2="48991"/>
+                        <a14:foregroundMark x1="51875" y1="65680" x2="53906" y2="71198"/>
+                        <a14:foregroundMark x1="53906" y1="71198" x2="54010" y2="71198"/>
+                        <a14:foregroundMark x1="55677" y1="51279" x2="55469" y2="51548"/>
+                        <a14:foregroundMark x1="55781" y1="51413" x2="51302" y2="55182"/>
+                        <a14:foregroundMark x1="51302" y1="55182" x2="53594" y2="55182"/>
+                        <a14:foregroundMark x1="84375" y1="38896" x2="85104" y2="39300"/>
+                        <a14:foregroundMark x1="91094" y1="27322" x2="92917" y2="33782"/>
+                        <a14:foregroundMark x1="92917" y1="33782" x2="92552" y2="40242"/>
+                        <a14:foregroundMark x1="35781" y1="32840" x2="34688" y2="39838"/>
+                        <a14:foregroundMark x1="34688" y1="39838" x2="34583" y2="41857"/>
+                        <a14:foregroundMark x1="35156" y1="35128" x2="34479" y2="42665"/>
+                        <a14:foregroundMark x1="34479" y1="42665" x2="34479" y2="42665"/>
+                        <a14:foregroundMark x1="35885" y1="33109" x2="34583" y2="40108"/>
+                        <a14:foregroundMark x1="34583" y1="40108" x2="34583" y2="40781"/>
+                        <a14:foregroundMark x1="36354" y1="31898" x2="34583" y2="37281"/>
+                      </a14:backgroundRemoval>
+                    </a14:imgEffect>
+                  </a14:imgLayer>
+                </a14:imgProps>
+              </a:ext>
+            </a:extLst>
+          </a:blip>
+          <a:srcRect l="32617" r="5703"/>
+          <a:stretch/>
+        </p:blipFill>
+        <p:spPr>
+          <a:xfrm>
+            <a:off x="756193" y="-68497"/>
+            <a:ext cx="10268433" cy="6433786"/>
+          </a:xfrm>
+          <a:prstGeom prst="rect">
+            <a:avLst/>
+          </a:prstGeom>
+        </p:spPr>
+      </p:pic>
+      <p:sp>
+        <p:nvSpPr>
+          <p:cNvPr id="6" name="Textfeld 5">
+            <a:extLst>
+              <a:ext uri="{FF2B5EF4-FFF2-40B4-BE49-F238E27FC236}">
+                <a16:creationId xmlns:a16="http://schemas.microsoft.com/office/drawing/2014/main" id="{179E98BC-27FF-3546-9DC9-AD4B659A15A8}"/>
+              </a:ext>
+            </a:extLst>
+          </p:cNvPr>
+          <p:cNvSpPr txBox="1"/>
+          <p:nvPr/>
+        </p:nvSpPr>
+        <p:spPr>
+          <a:xfrm>
+            <a:off x="8029443" y="1096197"/>
+            <a:ext cx="1311706" cy="523220"/>
+          </a:xfrm>
+          <a:prstGeom prst="rect">
+            <a:avLst/>
+          </a:prstGeom>
+          <a:solidFill>
+            <a:schemeClr val="bg1">
+              <a:alpha val="67000"/>
+            </a:schemeClr>
+          </a:solidFill>
+        </p:spPr>
+        <p:txBody>
+          <a:bodyPr wrap="none" rtlCol="0">
+            <a:spAutoFit/>
+          </a:bodyPr>
+          <a:lstStyle/>
+          <a:p>
+            <a:r>
+              <a:rPr lang="de-DE" sz="2800" b="1" dirty="0"/>
+              <a:t>Laufrad</a:t>
+            </a:r>
+          </a:p>
+        </p:txBody>
+      </p:sp>
+      <p:cxnSp>
+        <p:nvCxnSpPr>
+          <p:cNvPr id="7" name="Gerade Verbindung mit Pfeil 6">
+            <a:extLst>
+              <a:ext uri="{FF2B5EF4-FFF2-40B4-BE49-F238E27FC236}">
+                <a16:creationId xmlns:a16="http://schemas.microsoft.com/office/drawing/2014/main" id="{92D044BC-995B-8D48-96E5-B2BD0C5A27FD}"/>
+              </a:ext>
+            </a:extLst>
+          </p:cNvPr>
+          <p:cNvCxnSpPr>
+            <a:cxnSpLocks/>
+            <a:stCxn id="8" idx="2"/>
+          </p:cNvCxnSpPr>
+          <p:nvPr/>
+        </p:nvCxnSpPr>
+        <p:spPr>
+          <a:xfrm>
+            <a:off x="5895930" y="1357807"/>
+            <a:ext cx="852342" cy="1229945"/>
+          </a:xfrm>
+          <a:prstGeom prst="straightConnector1">
+            <a:avLst/>
+          </a:prstGeom>
+          <a:ln w="38100">
+            <a:solidFill>
+              <a:srgbClr val="FF0000"/>
+            </a:solidFill>
+            <a:tailEnd type="triangle"/>
+          </a:ln>
+        </p:spPr>
+        <p:style>
+          <a:lnRef idx="1">
+            <a:schemeClr val="accent1"/>
+          </a:lnRef>
+          <a:fillRef idx="0">
+            <a:schemeClr val="accent1"/>
+          </a:fillRef>
+          <a:effectRef idx="0">
+            <a:schemeClr val="accent1"/>
+          </a:effectRef>
+          <a:fontRef idx="minor">
+            <a:schemeClr val="tx1"/>
+          </a:fontRef>
+        </p:style>
+      </p:cxnSp>
+      <p:sp>
+        <p:nvSpPr>
+          <p:cNvPr id="8" name="Textfeld 7">
+            <a:extLst>
+              <a:ext uri="{FF2B5EF4-FFF2-40B4-BE49-F238E27FC236}">
+                <a16:creationId xmlns:a16="http://schemas.microsoft.com/office/drawing/2014/main" id="{A2F717EB-893B-A04F-A002-79CF0BFDC0AE}"/>
+              </a:ext>
+            </a:extLst>
+          </p:cNvPr>
+          <p:cNvSpPr txBox="1"/>
+          <p:nvPr/>
+        </p:nvSpPr>
+        <p:spPr>
+          <a:xfrm>
+            <a:off x="4131601" y="834587"/>
+            <a:ext cx="3528658" cy="523220"/>
+          </a:xfrm>
+          <a:prstGeom prst="rect">
+            <a:avLst/>
+          </a:prstGeom>
+          <a:solidFill>
+            <a:schemeClr val="bg1">
+              <a:alpha val="67000"/>
+            </a:schemeClr>
+          </a:solidFill>
+        </p:spPr>
+        <p:txBody>
+          <a:bodyPr wrap="none" rtlCol="0">
+            <a:spAutoFit/>
+          </a:bodyPr>
+          <a:lstStyle/>
+          <a:p>
+            <a:r>
+              <a:rPr lang="de-DE" sz="2800" b="1" dirty="0"/>
+              <a:t>Treibendes Riemenrad</a:t>
+            </a:r>
+          </a:p>
+        </p:txBody>
+      </p:sp>
+      <p:cxnSp>
+        <p:nvCxnSpPr>
+          <p:cNvPr id="9" name="Gerade Verbindung mit Pfeil 8">
+            <a:extLst>
+              <a:ext uri="{FF2B5EF4-FFF2-40B4-BE49-F238E27FC236}">
+                <a16:creationId xmlns:a16="http://schemas.microsoft.com/office/drawing/2014/main" id="{584B5C85-06CA-8C40-A868-CF1640097604}"/>
+              </a:ext>
+            </a:extLst>
+          </p:cNvPr>
+          <p:cNvCxnSpPr>
+            <a:cxnSpLocks/>
+            <a:stCxn id="10" idx="0"/>
+          </p:cNvCxnSpPr>
+          <p:nvPr/>
+        </p:nvCxnSpPr>
+        <p:spPr>
+          <a:xfrm flipV="1">
+            <a:off x="3739223" y="4686301"/>
+            <a:ext cx="63403" cy="437268"/>
+          </a:xfrm>
+          <a:prstGeom prst="straightConnector1">
+            <a:avLst/>
+          </a:prstGeom>
+          <a:ln w="38100">
+            <a:solidFill>
+              <a:srgbClr val="FF0000"/>
+            </a:solidFill>
+            <a:tailEnd type="triangle"/>
+          </a:ln>
+        </p:spPr>
+        <p:style>
+          <a:lnRef idx="1">
+            <a:schemeClr val="accent1"/>
+          </a:lnRef>
+          <a:fillRef idx="0">
+            <a:schemeClr val="accent1"/>
+          </a:fillRef>
+          <a:effectRef idx="0">
+            <a:schemeClr val="accent1"/>
+          </a:effectRef>
+          <a:fontRef idx="minor">
+            <a:schemeClr val="tx1"/>
+          </a:fontRef>
+        </p:style>
+      </p:cxnSp>
+      <p:sp>
+        <p:nvSpPr>
+          <p:cNvPr id="10" name="Textfeld 9">
+            <a:extLst>
+              <a:ext uri="{FF2B5EF4-FFF2-40B4-BE49-F238E27FC236}">
+                <a16:creationId xmlns:a16="http://schemas.microsoft.com/office/drawing/2014/main" id="{59E37322-0E69-554B-8944-533D766E480C}"/>
+              </a:ext>
+            </a:extLst>
+          </p:cNvPr>
+          <p:cNvSpPr txBox="1"/>
+          <p:nvPr/>
+        </p:nvSpPr>
+        <p:spPr>
+          <a:xfrm>
+            <a:off x="3083370" y="5123569"/>
+            <a:ext cx="1311706" cy="523220"/>
+          </a:xfrm>
+          <a:prstGeom prst="rect">
+            <a:avLst/>
+          </a:prstGeom>
+          <a:solidFill>
+            <a:schemeClr val="bg1">
+              <a:alpha val="67000"/>
+            </a:schemeClr>
+          </a:solidFill>
+        </p:spPr>
+        <p:txBody>
+          <a:bodyPr wrap="none" rtlCol="0">
+            <a:spAutoFit/>
+          </a:bodyPr>
+          <a:lstStyle/>
+          <a:p>
+            <a:r>
+              <a:rPr lang="de-DE" sz="2800" b="1" dirty="0"/>
+              <a:t>Laufrad</a:t>
+            </a:r>
+          </a:p>
+        </p:txBody>
+      </p:sp>
+      <p:cxnSp>
+        <p:nvCxnSpPr>
+          <p:cNvPr id="11" name="Gerade Verbindung mit Pfeil 10">
+            <a:extLst>
+              <a:ext uri="{FF2B5EF4-FFF2-40B4-BE49-F238E27FC236}">
+                <a16:creationId xmlns:a16="http://schemas.microsoft.com/office/drawing/2014/main" id="{2A4A5D98-6EF6-F845-A71D-1F29D139C0D3}"/>
+              </a:ext>
+            </a:extLst>
+          </p:cNvPr>
+          <p:cNvCxnSpPr>
+            <a:cxnSpLocks/>
+            <a:stCxn id="12" idx="2"/>
+          </p:cNvCxnSpPr>
+          <p:nvPr/>
+        </p:nvCxnSpPr>
+        <p:spPr>
+          <a:xfrm>
+            <a:off x="2504999" y="2030858"/>
+            <a:ext cx="279579" cy="371853"/>
+          </a:xfrm>
+          <a:prstGeom prst="straightConnector1">
+            <a:avLst/>
+          </a:prstGeom>
+          <a:ln w="38100">
+            <a:solidFill>
+              <a:srgbClr val="FF0000"/>
+            </a:solidFill>
+            <a:tailEnd type="triangle"/>
+          </a:ln>
+        </p:spPr>
+        <p:style>
+          <a:lnRef idx="1">
+            <a:schemeClr val="accent1"/>
+          </a:lnRef>
+          <a:fillRef idx="0">
+            <a:schemeClr val="accent1"/>
+          </a:fillRef>
+          <a:effectRef idx="0">
+            <a:schemeClr val="accent1"/>
+          </a:effectRef>
+          <a:fontRef idx="minor">
+            <a:schemeClr val="tx1"/>
+          </a:fontRef>
+        </p:style>
+      </p:cxnSp>
+      <p:sp>
+        <p:nvSpPr>
+          <p:cNvPr id="12" name="Textfeld 11">
+            <a:extLst>
+              <a:ext uri="{FF2B5EF4-FFF2-40B4-BE49-F238E27FC236}">
+                <a16:creationId xmlns:a16="http://schemas.microsoft.com/office/drawing/2014/main" id="{C4973FA5-5110-E141-9D05-F578FE272E9A}"/>
+              </a:ext>
+            </a:extLst>
+          </p:cNvPr>
+          <p:cNvSpPr txBox="1"/>
+          <p:nvPr/>
+        </p:nvSpPr>
+        <p:spPr>
+          <a:xfrm>
+            <a:off x="648112" y="1507638"/>
+            <a:ext cx="3713774" cy="523220"/>
+          </a:xfrm>
+          <a:prstGeom prst="rect">
+            <a:avLst/>
+          </a:prstGeom>
+          <a:solidFill>
+            <a:schemeClr val="bg1">
+              <a:alpha val="67000"/>
+            </a:schemeClr>
+          </a:solidFill>
+        </p:spPr>
+        <p:txBody>
+          <a:bodyPr wrap="none" rtlCol="0">
+            <a:spAutoFit/>
+          </a:bodyPr>
+          <a:lstStyle/>
+          <a:p>
+            <a:r>
+              <a:rPr lang="de-DE" sz="2800" b="1" dirty="0"/>
+              <a:t>Getriebenes Riemenrad</a:t>
+            </a:r>
+          </a:p>
+        </p:txBody>
+      </p:sp>
+      <p:cxnSp>
+        <p:nvCxnSpPr>
+          <p:cNvPr id="13" name="Gerade Verbindung mit Pfeil 12">
+            <a:extLst>
+              <a:ext uri="{FF2B5EF4-FFF2-40B4-BE49-F238E27FC236}">
+                <a16:creationId xmlns:a16="http://schemas.microsoft.com/office/drawing/2014/main" id="{833EC647-E265-4F4F-97A2-3E1EBEF63690}"/>
+              </a:ext>
+            </a:extLst>
+          </p:cNvPr>
+          <p:cNvCxnSpPr>
+            <a:cxnSpLocks/>
+          </p:cNvCxnSpPr>
+          <p:nvPr/>
+        </p:nvCxnSpPr>
+        <p:spPr>
+          <a:xfrm flipV="1">
+            <a:off x="2572144" y="3851208"/>
+            <a:ext cx="424868" cy="684608"/>
+          </a:xfrm>
+          <a:prstGeom prst="straightConnector1">
+            <a:avLst/>
+          </a:prstGeom>
+          <a:ln w="38100">
+            <a:solidFill>
+              <a:srgbClr val="FF0000"/>
+            </a:solidFill>
+            <a:tailEnd type="triangle"/>
+          </a:ln>
+        </p:spPr>
+        <p:style>
+          <a:lnRef idx="1">
+            <a:schemeClr val="accent1"/>
+          </a:lnRef>
+          <a:fillRef idx="0">
+            <a:schemeClr val="accent1"/>
+          </a:fillRef>
+          <a:effectRef idx="0">
+            <a:schemeClr val="accent1"/>
+          </a:effectRef>
+          <a:fontRef idx="minor">
+            <a:schemeClr val="tx1"/>
+          </a:fontRef>
+        </p:style>
+      </p:cxnSp>
+      <p:sp>
+        <p:nvSpPr>
+          <p:cNvPr id="14" name="Textfeld 13">
+            <a:extLst>
+              <a:ext uri="{FF2B5EF4-FFF2-40B4-BE49-F238E27FC236}">
+                <a16:creationId xmlns:a16="http://schemas.microsoft.com/office/drawing/2014/main" id="{BAD1BD4C-590D-8749-ABBA-69887229D4FA}"/>
+              </a:ext>
+            </a:extLst>
+          </p:cNvPr>
+          <p:cNvSpPr txBox="1"/>
+          <p:nvPr/>
+        </p:nvSpPr>
+        <p:spPr>
+          <a:xfrm>
+            <a:off x="1875057" y="4565533"/>
+            <a:ext cx="1203856" cy="523220"/>
+          </a:xfrm>
+          <a:prstGeom prst="rect">
+            <a:avLst/>
+          </a:prstGeom>
+          <a:solidFill>
+            <a:schemeClr val="bg1">
+              <a:alpha val="67000"/>
+            </a:schemeClr>
+          </a:solidFill>
+        </p:spPr>
+        <p:txBody>
+          <a:bodyPr wrap="none" rtlCol="0">
+            <a:spAutoFit/>
+          </a:bodyPr>
+          <a:lstStyle/>
+          <a:p>
+            <a:r>
+              <a:rPr lang="de-DE" sz="2800" b="1" dirty="0"/>
+              <a:t>Zapfen</a:t>
+            </a:r>
+          </a:p>
+        </p:txBody>
+      </p:sp>
+      <p:cxnSp>
+        <p:nvCxnSpPr>
+          <p:cNvPr id="22" name="Gerade Verbindung mit Pfeil 21">
+            <a:extLst>
+              <a:ext uri="{FF2B5EF4-FFF2-40B4-BE49-F238E27FC236}">
+                <a16:creationId xmlns:a16="http://schemas.microsoft.com/office/drawing/2014/main" id="{8B889B78-4497-9A4E-AD9D-11B4EA4CE3D4}"/>
+              </a:ext>
+            </a:extLst>
+          </p:cNvPr>
+          <p:cNvCxnSpPr>
+            <a:cxnSpLocks/>
+            <a:stCxn id="6" idx="2"/>
+          </p:cNvCxnSpPr>
+          <p:nvPr/>
+        </p:nvCxnSpPr>
+        <p:spPr>
+          <a:xfrm>
+            <a:off x="8685296" y="1619417"/>
+            <a:ext cx="1174328" cy="411441"/>
+          </a:xfrm>
+          <a:prstGeom prst="straightConnector1">
+            <a:avLst/>
+          </a:prstGeom>
+          <a:ln w="38100">
+            <a:solidFill>
+              <a:srgbClr val="FF0000"/>
+            </a:solidFill>
+            <a:tailEnd type="triangle"/>
+          </a:ln>
+        </p:spPr>
+        <p:style>
+          <a:lnRef idx="1">
+            <a:schemeClr val="accent1"/>
+          </a:lnRef>
+          <a:fillRef idx="0">
+            <a:schemeClr val="accent1"/>
+          </a:fillRef>
+          <a:effectRef idx="0">
+            <a:schemeClr val="accent1"/>
+          </a:effectRef>
+          <a:fontRef idx="minor">
+            <a:schemeClr val="tx1"/>
+          </a:fontRef>
+        </p:style>
+      </p:cxnSp>
+    </p:spTree>
+    <p:extLst>
+      <p:ext uri="{BB962C8B-B14F-4D97-AF65-F5344CB8AC3E}">
+        <p14:creationId xmlns:p14="http://schemas.microsoft.com/office/powerpoint/2010/main" val="915481347"/>
+      </p:ext>
+    </p:extLst>
+  </p:cSld>
+  <p:clrMapOvr>
+    <a:masterClrMapping/>
+  </p:clrMapOvr>
+</p:sld>
+</file>
+
+<file path=ppt/slides/slide3.xml><?xml version="1.0" encoding="utf-8"?>
+<p:sld xmlns:a="http://schemas.openxmlformats.org/drawingml/2006/main" xmlns:r="http://schemas.openxmlformats.org/officeDocument/2006/relationships" xmlns:p="http://schemas.openxmlformats.org/presentationml/2006/main">
+  <p:cSld>
+    <p:spTree>
+      <p:nvGrpSpPr>
+        <p:cNvPr id="1" name=""/>
+        <p:cNvGrpSpPr/>
+        <p:nvPr/>
+      </p:nvGrpSpPr>
+      <p:grpSpPr>
+        <a:xfrm>
+          <a:off x="0" y="0"/>
+          <a:ext cx="0" cy="0"/>
+          <a:chOff x="0" y="0"/>
+          <a:chExt cx="0" cy="0"/>
+        </a:xfrm>
+      </p:grpSpPr>
+      <p:pic>
+        <p:nvPicPr>
           <p:cNvPr id="4" name="Grafik 3">
             <a:extLst>
               <a:ext uri="{FF2B5EF4-FFF2-40B4-BE49-F238E27FC236}">
